--- a/vizsgaremek.pptx
+++ b/vizsgaremek.pptx
@@ -7400,8 +7400,13 @@
           <a:p>
             <a:r>
               <a:rPr lang="hu-HU" dirty="0"/>
-              <a:t>Backend: Node.js, JavaScript</a:t>
-            </a:r>
+              <a:t>Backend: Node.js</a:t>
+            </a:r>
+            <a:r>
+              <a:rPr lang="hu-HU"/>
+              <a:t>, Express, JavaScript</a:t>
+            </a:r>
+            <a:endParaRPr lang="hu-HU" dirty="0"/>
           </a:p>
           <a:p>
             <a:endParaRPr lang="hu-HU" dirty="0"/>
